--- a/Plakat/PlakatVorlage.pptx
+++ b/Plakat/PlakatVorlage.pptx
@@ -104,6 +104,11 @@
       </a:defRPr>
     </a:lvl9pPr>
   </p:defaultTextStyle>
+  <p:extLst>
+    <p:ext uri="{EFAFB233-063F-42B5-8137-9DF3F51BA10A}">
+      <p15:sldGuideLst xmlns:p15="http://schemas.microsoft.com/office/powerpoint/2012/main"/>
+    </p:ext>
+  </p:extLst>
 </p:presentation>
 </file>
 
@@ -238,7 +243,7 @@
           <a:p>
             <a:fld id="{C9CAF142-DAC2-40DE-8625-5A09C0E0F11A}" type="datetimeFigureOut">
               <a:rPr lang="en-DE" smtClean="0"/>
-              <a:t>23/01/2024</a:t>
+              <a:t>25/01/2024</a:t>
             </a:fld>
             <a:endParaRPr lang="en-DE"/>
           </a:p>
@@ -408,7 +413,7 @@
           <a:p>
             <a:fld id="{C9CAF142-DAC2-40DE-8625-5A09C0E0F11A}" type="datetimeFigureOut">
               <a:rPr lang="en-DE" smtClean="0"/>
-              <a:t>23/01/2024</a:t>
+              <a:t>25/01/2024</a:t>
             </a:fld>
             <a:endParaRPr lang="en-DE"/>
           </a:p>
@@ -588,7 +593,7 @@
           <a:p>
             <a:fld id="{C9CAF142-DAC2-40DE-8625-5A09C0E0F11A}" type="datetimeFigureOut">
               <a:rPr lang="en-DE" smtClean="0"/>
-              <a:t>23/01/2024</a:t>
+              <a:t>25/01/2024</a:t>
             </a:fld>
             <a:endParaRPr lang="en-DE"/>
           </a:p>
@@ -758,7 +763,7 @@
           <a:p>
             <a:fld id="{C9CAF142-DAC2-40DE-8625-5A09C0E0F11A}" type="datetimeFigureOut">
               <a:rPr lang="en-DE" smtClean="0"/>
-              <a:t>23/01/2024</a:t>
+              <a:t>25/01/2024</a:t>
             </a:fld>
             <a:endParaRPr lang="en-DE"/>
           </a:p>
@@ -1002,7 +1007,7 @@
           <a:p>
             <a:fld id="{C9CAF142-DAC2-40DE-8625-5A09C0E0F11A}" type="datetimeFigureOut">
               <a:rPr lang="en-DE" smtClean="0"/>
-              <a:t>23/01/2024</a:t>
+              <a:t>25/01/2024</a:t>
             </a:fld>
             <a:endParaRPr lang="en-DE"/>
           </a:p>
@@ -1234,7 +1239,7 @@
           <a:p>
             <a:fld id="{C9CAF142-DAC2-40DE-8625-5A09C0E0F11A}" type="datetimeFigureOut">
               <a:rPr lang="en-DE" smtClean="0"/>
-              <a:t>23/01/2024</a:t>
+              <a:t>25/01/2024</a:t>
             </a:fld>
             <a:endParaRPr lang="en-DE"/>
           </a:p>
@@ -1601,7 +1606,7 @@
           <a:p>
             <a:fld id="{C9CAF142-DAC2-40DE-8625-5A09C0E0F11A}" type="datetimeFigureOut">
               <a:rPr lang="en-DE" smtClean="0"/>
-              <a:t>23/01/2024</a:t>
+              <a:t>25/01/2024</a:t>
             </a:fld>
             <a:endParaRPr lang="en-DE"/>
           </a:p>
@@ -1719,7 +1724,7 @@
           <a:p>
             <a:fld id="{C9CAF142-DAC2-40DE-8625-5A09C0E0F11A}" type="datetimeFigureOut">
               <a:rPr lang="en-DE" smtClean="0"/>
-              <a:t>23/01/2024</a:t>
+              <a:t>25/01/2024</a:t>
             </a:fld>
             <a:endParaRPr lang="en-DE"/>
           </a:p>
@@ -1814,7 +1819,7 @@
           <a:p>
             <a:fld id="{C9CAF142-DAC2-40DE-8625-5A09C0E0F11A}" type="datetimeFigureOut">
               <a:rPr lang="en-DE" smtClean="0"/>
-              <a:t>23/01/2024</a:t>
+              <a:t>25/01/2024</a:t>
             </a:fld>
             <a:endParaRPr lang="en-DE"/>
           </a:p>
@@ -2091,7 +2096,7 @@
           <a:p>
             <a:fld id="{C9CAF142-DAC2-40DE-8625-5A09C0E0F11A}" type="datetimeFigureOut">
               <a:rPr lang="en-DE" smtClean="0"/>
-              <a:t>23/01/2024</a:t>
+              <a:t>25/01/2024</a:t>
             </a:fld>
             <a:endParaRPr lang="en-DE"/>
           </a:p>
@@ -2348,7 +2353,7 @@
           <a:p>
             <a:fld id="{C9CAF142-DAC2-40DE-8625-5A09C0E0F11A}" type="datetimeFigureOut">
               <a:rPr lang="en-DE" smtClean="0"/>
-              <a:t>23/01/2024</a:t>
+              <a:t>25/01/2024</a:t>
             </a:fld>
             <a:endParaRPr lang="en-DE"/>
           </a:p>
@@ -2561,7 +2566,7 @@
           <a:p>
             <a:fld id="{C9CAF142-DAC2-40DE-8625-5A09C0E0F11A}" type="datetimeFigureOut">
               <a:rPr lang="en-DE" smtClean="0"/>
-              <a:t>23/01/2024</a:t>
+              <a:t>25/01/2024</a:t>
             </a:fld>
             <a:endParaRPr lang="en-DE"/>
           </a:p>
@@ -3051,6 +3056,66 @@
           </a:p>
         </p:txBody>
       </p:sp>
+      <p:pic>
+        <p:nvPicPr>
+          <p:cNvPr id="3" name="Picture 2">
+            <a:extLst>
+              <a:ext uri="{FF2B5EF4-FFF2-40B4-BE49-F238E27FC236}">
+                <a16:creationId xmlns:a16="http://schemas.microsoft.com/office/drawing/2014/main" id="{8F9D6167-E20C-4AB8-F5A5-22489CBABA53}"/>
+              </a:ext>
+            </a:extLst>
+          </p:cNvPr>
+          <p:cNvPicPr>
+            <a:picLocks noChangeAspect="1"/>
+          </p:cNvPicPr>
+          <p:nvPr/>
+        </p:nvPicPr>
+        <p:blipFill>
+          <a:blip r:embed="rId4"/>
+          <a:stretch>
+            <a:fillRect/>
+          </a:stretch>
+        </p:blipFill>
+        <p:spPr>
+          <a:xfrm rot="3964804">
+            <a:off x="521566" y="4938394"/>
+            <a:ext cx="3852447" cy="2889335"/>
+          </a:xfrm>
+          <a:prstGeom prst="rect">
+            <a:avLst/>
+          </a:prstGeom>
+        </p:spPr>
+      </p:pic>
+      <p:pic>
+        <p:nvPicPr>
+          <p:cNvPr id="6" name="Picture 5">
+            <a:extLst>
+              <a:ext uri="{FF2B5EF4-FFF2-40B4-BE49-F238E27FC236}">
+                <a16:creationId xmlns:a16="http://schemas.microsoft.com/office/drawing/2014/main" id="{907E3BC8-5920-92FA-5437-CCF88FE897F5}"/>
+              </a:ext>
+            </a:extLst>
+          </p:cNvPr>
+          <p:cNvPicPr>
+            <a:picLocks noChangeAspect="1"/>
+          </p:cNvPicPr>
+          <p:nvPr/>
+        </p:nvPicPr>
+        <p:blipFill>
+          <a:blip r:embed="rId5"/>
+          <a:stretch>
+            <a:fillRect/>
+          </a:stretch>
+        </p:blipFill>
+        <p:spPr>
+          <a:xfrm rot="1047785">
+            <a:off x="9025112" y="462654"/>
+            <a:ext cx="3208526" cy="4278035"/>
+          </a:xfrm>
+          <a:prstGeom prst="rect">
+            <a:avLst/>
+          </a:prstGeom>
+        </p:spPr>
+      </p:pic>
     </p:spTree>
     <p:extLst>
       <p:ext uri="{BB962C8B-B14F-4D97-AF65-F5344CB8AC3E}">

--- a/Plakat/PlakatVorlage.pptx
+++ b/Plakat/PlakatVorlage.pptx
@@ -6,6 +6,7 @@
   </p:sldMasterIdLst>
   <p:sldIdLst>
     <p:sldId id="256" r:id="rId2"/>
+    <p:sldId id="257" r:id="rId3"/>
   </p:sldIdLst>
   <p:sldSz cx="12801600" cy="9601200" type="A3"/>
   <p:notesSz cx="6858000" cy="9144000"/>
@@ -243,7 +244,7 @@
           <a:p>
             <a:fld id="{C9CAF142-DAC2-40DE-8625-5A09C0E0F11A}" type="datetimeFigureOut">
               <a:rPr lang="en-DE" smtClean="0"/>
-              <a:t>25/01/2024</a:t>
+              <a:t>02/02/2024</a:t>
             </a:fld>
             <a:endParaRPr lang="en-DE"/>
           </a:p>
@@ -413,7 +414,7 @@
           <a:p>
             <a:fld id="{C9CAF142-DAC2-40DE-8625-5A09C0E0F11A}" type="datetimeFigureOut">
               <a:rPr lang="en-DE" smtClean="0"/>
-              <a:t>25/01/2024</a:t>
+              <a:t>02/02/2024</a:t>
             </a:fld>
             <a:endParaRPr lang="en-DE"/>
           </a:p>
@@ -593,7 +594,7 @@
           <a:p>
             <a:fld id="{C9CAF142-DAC2-40DE-8625-5A09C0E0F11A}" type="datetimeFigureOut">
               <a:rPr lang="en-DE" smtClean="0"/>
-              <a:t>25/01/2024</a:t>
+              <a:t>02/02/2024</a:t>
             </a:fld>
             <a:endParaRPr lang="en-DE"/>
           </a:p>
@@ -763,7 +764,7 @@
           <a:p>
             <a:fld id="{C9CAF142-DAC2-40DE-8625-5A09C0E0F11A}" type="datetimeFigureOut">
               <a:rPr lang="en-DE" smtClean="0"/>
-              <a:t>25/01/2024</a:t>
+              <a:t>02/02/2024</a:t>
             </a:fld>
             <a:endParaRPr lang="en-DE"/>
           </a:p>
@@ -1007,7 +1008,7 @@
           <a:p>
             <a:fld id="{C9CAF142-DAC2-40DE-8625-5A09C0E0F11A}" type="datetimeFigureOut">
               <a:rPr lang="en-DE" smtClean="0"/>
-              <a:t>25/01/2024</a:t>
+              <a:t>02/02/2024</a:t>
             </a:fld>
             <a:endParaRPr lang="en-DE"/>
           </a:p>
@@ -1239,7 +1240,7 @@
           <a:p>
             <a:fld id="{C9CAF142-DAC2-40DE-8625-5A09C0E0F11A}" type="datetimeFigureOut">
               <a:rPr lang="en-DE" smtClean="0"/>
-              <a:t>25/01/2024</a:t>
+              <a:t>02/02/2024</a:t>
             </a:fld>
             <a:endParaRPr lang="en-DE"/>
           </a:p>
@@ -1606,7 +1607,7 @@
           <a:p>
             <a:fld id="{C9CAF142-DAC2-40DE-8625-5A09C0E0F11A}" type="datetimeFigureOut">
               <a:rPr lang="en-DE" smtClean="0"/>
-              <a:t>25/01/2024</a:t>
+              <a:t>02/02/2024</a:t>
             </a:fld>
             <a:endParaRPr lang="en-DE"/>
           </a:p>
@@ -1724,7 +1725,7 @@
           <a:p>
             <a:fld id="{C9CAF142-DAC2-40DE-8625-5A09C0E0F11A}" type="datetimeFigureOut">
               <a:rPr lang="en-DE" smtClean="0"/>
-              <a:t>25/01/2024</a:t>
+              <a:t>02/02/2024</a:t>
             </a:fld>
             <a:endParaRPr lang="en-DE"/>
           </a:p>
@@ -1819,7 +1820,7 @@
           <a:p>
             <a:fld id="{C9CAF142-DAC2-40DE-8625-5A09C0E0F11A}" type="datetimeFigureOut">
               <a:rPr lang="en-DE" smtClean="0"/>
-              <a:t>25/01/2024</a:t>
+              <a:t>02/02/2024</a:t>
             </a:fld>
             <a:endParaRPr lang="en-DE"/>
           </a:p>
@@ -2096,7 +2097,7 @@
           <a:p>
             <a:fld id="{C9CAF142-DAC2-40DE-8625-5A09C0E0F11A}" type="datetimeFigureOut">
               <a:rPr lang="en-DE" smtClean="0"/>
-              <a:t>25/01/2024</a:t>
+              <a:t>02/02/2024</a:t>
             </a:fld>
             <a:endParaRPr lang="en-DE"/>
           </a:p>
@@ -2353,7 +2354,7 @@
           <a:p>
             <a:fld id="{C9CAF142-DAC2-40DE-8625-5A09C0E0F11A}" type="datetimeFigureOut">
               <a:rPr lang="en-DE" smtClean="0"/>
-              <a:t>25/01/2024</a:t>
+              <a:t>02/02/2024</a:t>
             </a:fld>
             <a:endParaRPr lang="en-DE"/>
           </a:p>
@@ -2566,7 +2567,7 @@
           <a:p>
             <a:fld id="{C9CAF142-DAC2-40DE-8625-5A09C0E0F11A}" type="datetimeFigureOut">
               <a:rPr lang="en-DE" smtClean="0"/>
-              <a:t>25/01/2024</a:t>
+              <a:t>02/02/2024</a:t>
             </a:fld>
             <a:endParaRPr lang="en-DE"/>
           </a:p>
@@ -3129,6 +3130,1105 @@
 </p:sld>
 </file>
 
+<file path=ppt/slides/slide2.xml><?xml version="1.0" encoding="utf-8"?>
+<p:sld xmlns:a="http://schemas.openxmlformats.org/drawingml/2006/main" xmlns:r="http://schemas.openxmlformats.org/officeDocument/2006/relationships" xmlns:p="http://schemas.openxmlformats.org/presentationml/2006/main">
+  <p:cSld>
+    <p:spTree>
+      <p:nvGrpSpPr>
+        <p:cNvPr id="1" name=""/>
+        <p:cNvGrpSpPr/>
+        <p:nvPr/>
+      </p:nvGrpSpPr>
+      <p:grpSpPr>
+        <a:xfrm>
+          <a:off x="0" y="0"/>
+          <a:ext cx="0" cy="0"/>
+          <a:chOff x="0" y="0"/>
+          <a:chExt cx="0" cy="0"/>
+        </a:xfrm>
+      </p:grpSpPr>
+      <p:pic>
+        <p:nvPicPr>
+          <p:cNvPr id="11" name="Graphic 10" descr="Laptop outline">
+            <a:extLst>
+              <a:ext uri="{FF2B5EF4-FFF2-40B4-BE49-F238E27FC236}">
+                <a16:creationId xmlns:a16="http://schemas.microsoft.com/office/drawing/2014/main" id="{E0B2D499-35AF-3744-8510-80F700702889}"/>
+              </a:ext>
+            </a:extLst>
+          </p:cNvPr>
+          <p:cNvPicPr>
+            <a:picLocks noChangeAspect="1"/>
+          </p:cNvPicPr>
+          <p:nvPr/>
+        </p:nvPicPr>
+        <p:blipFill>
+          <a:blip r:embed="rId2">
+            <a:extLst>
+              <a:ext uri="{96DAC541-7B7A-43D3-8B79-37D633B846F1}">
+                <asvg:svgBlip xmlns:asvg="http://schemas.microsoft.com/office/drawing/2016/SVG/main" r:embed="rId3"/>
+              </a:ext>
+            </a:extLst>
+          </a:blip>
+          <a:stretch>
+            <a:fillRect/>
+          </a:stretch>
+        </p:blipFill>
+        <p:spPr>
+          <a:xfrm>
+            <a:off x="4142896" y="3183880"/>
+            <a:ext cx="1103889" cy="1103889"/>
+          </a:xfrm>
+          <a:prstGeom prst="rect">
+            <a:avLst/>
+          </a:prstGeom>
+        </p:spPr>
+      </p:pic>
+      <p:pic>
+        <p:nvPicPr>
+          <p:cNvPr id="12" name="Graphic 11" descr="Laptop outline">
+            <a:extLst>
+              <a:ext uri="{FF2B5EF4-FFF2-40B4-BE49-F238E27FC236}">
+                <a16:creationId xmlns:a16="http://schemas.microsoft.com/office/drawing/2014/main" id="{5A71789A-605E-9A64-6B34-13DF4439F9EC}"/>
+              </a:ext>
+            </a:extLst>
+          </p:cNvPr>
+          <p:cNvPicPr>
+            <a:picLocks noChangeAspect="1"/>
+          </p:cNvPicPr>
+          <p:nvPr/>
+        </p:nvPicPr>
+        <p:blipFill>
+          <a:blip r:embed="rId2">
+            <a:extLst>
+              <a:ext uri="{96DAC541-7B7A-43D3-8B79-37D633B846F1}">
+                <asvg:svgBlip xmlns:asvg="http://schemas.microsoft.com/office/drawing/2016/SVG/main" r:embed="rId3"/>
+              </a:ext>
+            </a:extLst>
+          </a:blip>
+          <a:stretch>
+            <a:fillRect/>
+          </a:stretch>
+        </p:blipFill>
+        <p:spPr>
+          <a:xfrm>
+            <a:off x="792344" y="3183880"/>
+            <a:ext cx="1103889" cy="1103889"/>
+          </a:xfrm>
+          <a:prstGeom prst="rect">
+            <a:avLst/>
+          </a:prstGeom>
+        </p:spPr>
+      </p:pic>
+      <p:pic>
+        <p:nvPicPr>
+          <p:cNvPr id="13" name="Graphic 12" descr="Laptop outline">
+            <a:extLst>
+              <a:ext uri="{FF2B5EF4-FFF2-40B4-BE49-F238E27FC236}">
+                <a16:creationId xmlns:a16="http://schemas.microsoft.com/office/drawing/2014/main" id="{103FB9A1-D8C8-78AB-52F8-9869C625AE93}"/>
+              </a:ext>
+            </a:extLst>
+          </p:cNvPr>
+          <p:cNvPicPr>
+            <a:picLocks noChangeAspect="1"/>
+          </p:cNvPicPr>
+          <p:nvPr/>
+        </p:nvPicPr>
+        <p:blipFill>
+          <a:blip r:embed="rId2">
+            <a:extLst>
+              <a:ext uri="{96DAC541-7B7A-43D3-8B79-37D633B846F1}">
+                <asvg:svgBlip xmlns:asvg="http://schemas.microsoft.com/office/drawing/2016/SVG/main" r:embed="rId3"/>
+              </a:ext>
+            </a:extLst>
+          </a:blip>
+          <a:stretch>
+            <a:fillRect/>
+          </a:stretch>
+        </p:blipFill>
+        <p:spPr>
+          <a:xfrm>
+            <a:off x="7493448" y="3183880"/>
+            <a:ext cx="1103889" cy="1103889"/>
+          </a:xfrm>
+          <a:prstGeom prst="rect">
+            <a:avLst/>
+          </a:prstGeom>
+        </p:spPr>
+      </p:pic>
+      <p:pic>
+        <p:nvPicPr>
+          <p:cNvPr id="14" name="Graphic 13" descr="Laptop outline">
+            <a:extLst>
+              <a:ext uri="{FF2B5EF4-FFF2-40B4-BE49-F238E27FC236}">
+                <a16:creationId xmlns:a16="http://schemas.microsoft.com/office/drawing/2014/main" id="{DCFA83B0-E06B-6C04-3F03-5208A3D37DB8}"/>
+              </a:ext>
+            </a:extLst>
+          </p:cNvPr>
+          <p:cNvPicPr>
+            <a:picLocks noChangeAspect="1"/>
+          </p:cNvPicPr>
+          <p:nvPr/>
+        </p:nvPicPr>
+        <p:blipFill>
+          <a:blip r:embed="rId2">
+            <a:extLst>
+              <a:ext uri="{96DAC541-7B7A-43D3-8B79-37D633B846F1}">
+                <asvg:svgBlip xmlns:asvg="http://schemas.microsoft.com/office/drawing/2016/SVG/main" r:embed="rId3"/>
+              </a:ext>
+            </a:extLst>
+          </a:blip>
+          <a:stretch>
+            <a:fillRect/>
+          </a:stretch>
+        </p:blipFill>
+        <p:spPr>
+          <a:xfrm>
+            <a:off x="10844001" y="3183880"/>
+            <a:ext cx="1103889" cy="1103889"/>
+          </a:xfrm>
+          <a:prstGeom prst="rect">
+            <a:avLst/>
+          </a:prstGeom>
+        </p:spPr>
+      </p:pic>
+      <p:sp>
+        <p:nvSpPr>
+          <p:cNvPr id="16" name="TextBox 15">
+            <a:extLst>
+              <a:ext uri="{FF2B5EF4-FFF2-40B4-BE49-F238E27FC236}">
+                <a16:creationId xmlns:a16="http://schemas.microsoft.com/office/drawing/2014/main" id="{6F32ED9B-1726-48BC-6AF1-AE85A14866B5}"/>
+              </a:ext>
+            </a:extLst>
+          </p:cNvPr>
+          <p:cNvSpPr txBox="1"/>
+          <p:nvPr/>
+        </p:nvSpPr>
+        <p:spPr>
+          <a:xfrm>
+            <a:off x="4585709" y="992419"/>
+            <a:ext cx="1938493" cy="707886"/>
+          </a:xfrm>
+          <a:prstGeom prst="rect">
+            <a:avLst/>
+          </a:prstGeom>
+          <a:noFill/>
+        </p:spPr>
+        <p:txBody>
+          <a:bodyPr wrap="square" rtlCol="0">
+            <a:spAutoFit/>
+          </a:bodyPr>
+          <a:lstStyle/>
+          <a:p>
+            <a:r>
+              <a:rPr lang="en-US" sz="4000" dirty="0"/>
+              <a:t>Clients</a:t>
+            </a:r>
+            <a:endParaRPr lang="en-DE" sz="4000" dirty="0"/>
+          </a:p>
+        </p:txBody>
+      </p:sp>
+      <p:pic>
+        <p:nvPicPr>
+          <p:cNvPr id="20" name="Graphic 19" descr="Computer with solid fill">
+            <a:extLst>
+              <a:ext uri="{FF2B5EF4-FFF2-40B4-BE49-F238E27FC236}">
+                <a16:creationId xmlns:a16="http://schemas.microsoft.com/office/drawing/2014/main" id="{7D8E1E4E-CEFB-E26C-B85E-B7A313F0DFB0}"/>
+              </a:ext>
+            </a:extLst>
+          </p:cNvPr>
+          <p:cNvPicPr>
+            <a:picLocks noChangeAspect="1"/>
+          </p:cNvPicPr>
+          <p:nvPr/>
+        </p:nvPicPr>
+        <p:blipFill>
+          <a:blip r:embed="rId4">
+            <a:extLst>
+              <a:ext uri="{96DAC541-7B7A-43D3-8B79-37D633B846F1}">
+                <asvg:svgBlip xmlns:asvg="http://schemas.microsoft.com/office/drawing/2016/SVG/main" r:embed="rId5"/>
+              </a:ext>
+            </a:extLst>
+          </a:blip>
+          <a:stretch>
+            <a:fillRect/>
+          </a:stretch>
+        </p:blipFill>
+        <p:spPr>
+          <a:xfrm>
+            <a:off x="5554956" y="7212027"/>
+            <a:ext cx="1938492" cy="1938492"/>
+          </a:xfrm>
+          <a:prstGeom prst="rect">
+            <a:avLst/>
+          </a:prstGeom>
+        </p:spPr>
+      </p:pic>
+      <p:sp>
+        <p:nvSpPr>
+          <p:cNvPr id="21" name="TextBox 20">
+            <a:extLst>
+              <a:ext uri="{FF2B5EF4-FFF2-40B4-BE49-F238E27FC236}">
+                <a16:creationId xmlns:a16="http://schemas.microsoft.com/office/drawing/2014/main" id="{122A57CD-4D29-BCE5-E196-0137A70BCD76}"/>
+              </a:ext>
+            </a:extLst>
+          </p:cNvPr>
+          <p:cNvSpPr txBox="1"/>
+          <p:nvPr/>
+        </p:nvSpPr>
+        <p:spPr>
+          <a:xfrm>
+            <a:off x="7711710" y="7808814"/>
+            <a:ext cx="2816028" cy="707886"/>
+          </a:xfrm>
+          <a:prstGeom prst="rect">
+            <a:avLst/>
+          </a:prstGeom>
+          <a:noFill/>
+        </p:spPr>
+        <p:txBody>
+          <a:bodyPr wrap="square" rtlCol="0">
+            <a:spAutoFit/>
+          </a:bodyPr>
+          <a:lstStyle/>
+          <a:p>
+            <a:r>
+              <a:rPr lang="en-US" sz="4000" dirty="0"/>
+              <a:t>Server</a:t>
+            </a:r>
+            <a:endParaRPr lang="en-DE" sz="4000" dirty="0"/>
+          </a:p>
+        </p:txBody>
+      </p:sp>
+      <p:cxnSp>
+        <p:nvCxnSpPr>
+          <p:cNvPr id="23" name="Straight Arrow Connector 22">
+            <a:extLst>
+              <a:ext uri="{FF2B5EF4-FFF2-40B4-BE49-F238E27FC236}">
+                <a16:creationId xmlns:a16="http://schemas.microsoft.com/office/drawing/2014/main" id="{14FE9A14-8398-30AA-E033-039C767864F5}"/>
+              </a:ext>
+            </a:extLst>
+          </p:cNvPr>
+          <p:cNvCxnSpPr/>
+          <p:nvPr/>
+        </p:nvCxnSpPr>
+        <p:spPr>
+          <a:xfrm>
+            <a:off x="1499272" y="4535674"/>
+            <a:ext cx="3463391" cy="2640027"/>
+          </a:xfrm>
+          <a:prstGeom prst="straightConnector1">
+            <a:avLst/>
+          </a:prstGeom>
+          <a:ln>
+            <a:tailEnd type="triangle"/>
+          </a:ln>
+        </p:spPr>
+        <p:style>
+          <a:lnRef idx="1">
+            <a:schemeClr val="accent1"/>
+          </a:lnRef>
+          <a:fillRef idx="0">
+            <a:schemeClr val="accent1"/>
+          </a:fillRef>
+          <a:effectRef idx="0">
+            <a:schemeClr val="accent1"/>
+          </a:effectRef>
+          <a:fontRef idx="minor">
+            <a:schemeClr val="tx1"/>
+          </a:fontRef>
+        </p:style>
+      </p:cxnSp>
+      <p:cxnSp>
+        <p:nvCxnSpPr>
+          <p:cNvPr id="26" name="Straight Arrow Connector 25">
+            <a:extLst>
+              <a:ext uri="{FF2B5EF4-FFF2-40B4-BE49-F238E27FC236}">
+                <a16:creationId xmlns:a16="http://schemas.microsoft.com/office/drawing/2014/main" id="{292A42B7-E35B-333C-106A-B936B6B0DDCC}"/>
+              </a:ext>
+            </a:extLst>
+          </p:cNvPr>
+          <p:cNvCxnSpPr>
+            <a:cxnSpLocks/>
+          </p:cNvCxnSpPr>
+          <p:nvPr/>
+        </p:nvCxnSpPr>
+        <p:spPr>
+          <a:xfrm>
+            <a:off x="4694840" y="4572000"/>
+            <a:ext cx="1217627" cy="1943437"/>
+          </a:xfrm>
+          <a:prstGeom prst="straightConnector1">
+            <a:avLst/>
+          </a:prstGeom>
+          <a:ln>
+            <a:tailEnd type="triangle"/>
+          </a:ln>
+        </p:spPr>
+        <p:style>
+          <a:lnRef idx="1">
+            <a:schemeClr val="accent1"/>
+          </a:lnRef>
+          <a:fillRef idx="0">
+            <a:schemeClr val="accent1"/>
+          </a:fillRef>
+          <a:effectRef idx="0">
+            <a:schemeClr val="accent1"/>
+          </a:effectRef>
+          <a:fontRef idx="minor">
+            <a:schemeClr val="tx1"/>
+          </a:fontRef>
+        </p:style>
+      </p:cxnSp>
+      <p:cxnSp>
+        <p:nvCxnSpPr>
+          <p:cNvPr id="28" name="Straight Arrow Connector 27">
+            <a:extLst>
+              <a:ext uri="{FF2B5EF4-FFF2-40B4-BE49-F238E27FC236}">
+                <a16:creationId xmlns:a16="http://schemas.microsoft.com/office/drawing/2014/main" id="{2A8C02FB-7FCF-6BD7-F555-480228BE4D0D}"/>
+              </a:ext>
+            </a:extLst>
+          </p:cNvPr>
+          <p:cNvCxnSpPr>
+            <a:cxnSpLocks/>
+          </p:cNvCxnSpPr>
+          <p:nvPr/>
+        </p:nvCxnSpPr>
+        <p:spPr>
+          <a:xfrm flipH="1">
+            <a:off x="8436506" y="4287769"/>
+            <a:ext cx="2959439" cy="3019339"/>
+          </a:xfrm>
+          <a:prstGeom prst="straightConnector1">
+            <a:avLst/>
+          </a:prstGeom>
+          <a:ln>
+            <a:tailEnd type="triangle"/>
+          </a:ln>
+        </p:spPr>
+        <p:style>
+          <a:lnRef idx="1">
+            <a:schemeClr val="accent1"/>
+          </a:lnRef>
+          <a:fillRef idx="0">
+            <a:schemeClr val="accent1"/>
+          </a:fillRef>
+          <a:effectRef idx="0">
+            <a:schemeClr val="accent1"/>
+          </a:effectRef>
+          <a:fontRef idx="minor">
+            <a:schemeClr val="tx1"/>
+          </a:fontRef>
+        </p:style>
+      </p:cxnSp>
+      <p:cxnSp>
+        <p:nvCxnSpPr>
+          <p:cNvPr id="31" name="Straight Arrow Connector 30">
+            <a:extLst>
+              <a:ext uri="{FF2B5EF4-FFF2-40B4-BE49-F238E27FC236}">
+                <a16:creationId xmlns:a16="http://schemas.microsoft.com/office/drawing/2014/main" id="{123A3353-51F4-9D45-DEE5-7AC1ED4230E1}"/>
+              </a:ext>
+            </a:extLst>
+          </p:cNvPr>
+          <p:cNvCxnSpPr>
+            <a:cxnSpLocks/>
+          </p:cNvCxnSpPr>
+          <p:nvPr/>
+        </p:nvCxnSpPr>
+        <p:spPr>
+          <a:xfrm flipH="1">
+            <a:off x="7210004" y="4429884"/>
+            <a:ext cx="835388" cy="2165125"/>
+          </a:xfrm>
+          <a:prstGeom prst="straightConnector1">
+            <a:avLst/>
+          </a:prstGeom>
+          <a:ln>
+            <a:tailEnd type="triangle"/>
+          </a:ln>
+        </p:spPr>
+        <p:style>
+          <a:lnRef idx="1">
+            <a:schemeClr val="accent1"/>
+          </a:lnRef>
+          <a:fillRef idx="0">
+            <a:schemeClr val="accent1"/>
+          </a:fillRef>
+          <a:effectRef idx="0">
+            <a:schemeClr val="accent1"/>
+          </a:effectRef>
+          <a:fontRef idx="minor">
+            <a:schemeClr val="tx1"/>
+          </a:fontRef>
+        </p:style>
+      </p:cxnSp>
+      <p:sp>
+        <p:nvSpPr>
+          <p:cNvPr id="34" name="TextBox 33">
+            <a:extLst>
+              <a:ext uri="{FF2B5EF4-FFF2-40B4-BE49-F238E27FC236}">
+                <a16:creationId xmlns:a16="http://schemas.microsoft.com/office/drawing/2014/main" id="{12D2EEFD-F35E-CCFC-B17B-282D6904A2B0}"/>
+              </a:ext>
+            </a:extLst>
+          </p:cNvPr>
+          <p:cNvSpPr txBox="1"/>
+          <p:nvPr/>
+        </p:nvSpPr>
+        <p:spPr>
+          <a:xfrm>
+            <a:off x="1859706" y="4074009"/>
+            <a:ext cx="2832212" cy="923330"/>
+          </a:xfrm>
+          <a:prstGeom prst="rect">
+            <a:avLst/>
+          </a:prstGeom>
+          <a:noFill/>
+        </p:spPr>
+        <p:txBody>
+          <a:bodyPr wrap="square" rtlCol="0">
+            <a:spAutoFit/>
+          </a:bodyPr>
+          <a:lstStyle/>
+          <a:p>
+            <a:r>
+              <a:rPr lang="en-US" dirty="0"/>
+              <a:t>Clients </a:t>
+            </a:r>
+            <a:r>
+              <a:rPr lang="en-US" dirty="0" err="1"/>
+              <a:t>schicken</a:t>
+            </a:r>
+            <a:r>
+              <a:rPr lang="en-US" dirty="0"/>
+              <a:t> commands:</a:t>
+            </a:r>
+          </a:p>
+          <a:p>
+            <a:r>
+              <a:rPr lang="en-US" dirty="0"/>
+              <a:t>- move (</a:t>
+            </a:r>
+            <a:r>
+              <a:rPr lang="en-US" dirty="0" err="1"/>
+              <a:t>up,down,left</a:t>
+            </a:r>
+            <a:r>
+              <a:rPr lang="en-US" dirty="0"/>
+              <a:t>...)</a:t>
+            </a:r>
+          </a:p>
+          <a:p>
+            <a:r>
+              <a:rPr lang="en-US" dirty="0"/>
+              <a:t>- shoot </a:t>
+            </a:r>
+          </a:p>
+        </p:txBody>
+      </p:sp>
+      <p:sp>
+        <p:nvSpPr>
+          <p:cNvPr id="35" name="TextBox 34">
+            <a:extLst>
+              <a:ext uri="{FF2B5EF4-FFF2-40B4-BE49-F238E27FC236}">
+                <a16:creationId xmlns:a16="http://schemas.microsoft.com/office/drawing/2014/main" id="{5685029F-E4BC-888E-C29A-73B407B66A38}"/>
+              </a:ext>
+            </a:extLst>
+          </p:cNvPr>
+          <p:cNvSpPr txBox="1"/>
+          <p:nvPr/>
+        </p:nvSpPr>
+        <p:spPr>
+          <a:xfrm>
+            <a:off x="9261671" y="7639537"/>
+            <a:ext cx="3520035" cy="1754326"/>
+          </a:xfrm>
+          <a:prstGeom prst="rect">
+            <a:avLst/>
+          </a:prstGeom>
+          <a:noFill/>
+        </p:spPr>
+        <p:txBody>
+          <a:bodyPr wrap="square" rtlCol="0">
+            <a:spAutoFit/>
+          </a:bodyPr>
+          <a:lstStyle/>
+          <a:p>
+            <a:r>
+              <a:rPr lang="en-US" dirty="0"/>
+              <a:t>Server </a:t>
+            </a:r>
+            <a:r>
+              <a:rPr lang="en-US" dirty="0" err="1"/>
+              <a:t>kümmert</a:t>
+            </a:r>
+            <a:r>
+              <a:rPr lang="en-US" dirty="0"/>
+              <a:t> </a:t>
+            </a:r>
+            <a:r>
+              <a:rPr lang="en-US" dirty="0" err="1"/>
+              <a:t>sich</a:t>
+            </a:r>
+            <a:r>
+              <a:rPr lang="en-US" dirty="0"/>
+              <a:t> um:</a:t>
+            </a:r>
+          </a:p>
+          <a:p>
+            <a:r>
+              <a:rPr lang="en-US" dirty="0"/>
+              <a:t>- auf </a:t>
+            </a:r>
+            <a:r>
+              <a:rPr lang="en-US" dirty="0" err="1"/>
+              <a:t>Kommandos</a:t>
+            </a:r>
+            <a:r>
+              <a:rPr lang="en-US" dirty="0"/>
+              <a:t> </a:t>
+            </a:r>
+            <a:r>
+              <a:rPr lang="en-US" dirty="0" err="1"/>
+              <a:t>reagieren</a:t>
+            </a:r>
+            <a:r>
+              <a:rPr lang="en-US" dirty="0"/>
+              <a:t> </a:t>
+            </a:r>
+          </a:p>
+          <a:p>
+            <a:r>
+              <a:rPr lang="en-US" dirty="0"/>
+              <a:t>- Position der Spieler </a:t>
+            </a:r>
+            <a:r>
+              <a:rPr lang="en-US" dirty="0" err="1"/>
+              <a:t>berechnen</a:t>
+            </a:r>
+            <a:r>
+              <a:rPr lang="en-US" dirty="0"/>
+              <a:t> </a:t>
+            </a:r>
+          </a:p>
+          <a:p>
+            <a:r>
+              <a:rPr lang="en-US" dirty="0"/>
+              <a:t>- </a:t>
+            </a:r>
+            <a:r>
+              <a:rPr lang="en-US" dirty="0" err="1"/>
+              <a:t>Hitcalculation</a:t>
+            </a:r>
+            <a:r>
+              <a:rPr lang="en-US" dirty="0"/>
+              <a:t> </a:t>
+            </a:r>
+          </a:p>
+          <a:p>
+            <a:r>
+              <a:rPr lang="en-US" dirty="0"/>
+              <a:t>- </a:t>
+            </a:r>
+            <a:r>
+              <a:rPr lang="en-US" dirty="0" err="1"/>
+              <a:t>Kolisionserkennung</a:t>
+            </a:r>
+            <a:r>
+              <a:rPr lang="en-US" dirty="0"/>
+              <a:t>/ </a:t>
+            </a:r>
+            <a:r>
+              <a:rPr lang="en-US" dirty="0" err="1"/>
+              <a:t>Vermeidung</a:t>
+            </a:r>
+            <a:r>
+              <a:rPr lang="en-US" dirty="0"/>
+              <a:t> </a:t>
+            </a:r>
+          </a:p>
+          <a:p>
+            <a:r>
+              <a:rPr lang="en-US" dirty="0"/>
+              <a:t>- Score </a:t>
+            </a:r>
+            <a:r>
+              <a:rPr lang="en-US" dirty="0" err="1"/>
+              <a:t>Berechnung</a:t>
+            </a:r>
+            <a:r>
+              <a:rPr lang="en-US" dirty="0"/>
+              <a:t> </a:t>
+            </a:r>
+            <a:endParaRPr lang="en-DE" dirty="0"/>
+          </a:p>
+        </p:txBody>
+      </p:sp>
+      <p:cxnSp>
+        <p:nvCxnSpPr>
+          <p:cNvPr id="36" name="Straight Arrow Connector 35">
+            <a:extLst>
+              <a:ext uri="{FF2B5EF4-FFF2-40B4-BE49-F238E27FC236}">
+                <a16:creationId xmlns:a16="http://schemas.microsoft.com/office/drawing/2014/main" id="{6A5E25EB-DB7E-7FE8-30F6-373A7FA40AD6}"/>
+              </a:ext>
+            </a:extLst>
+          </p:cNvPr>
+          <p:cNvCxnSpPr>
+            <a:cxnSpLocks/>
+          </p:cNvCxnSpPr>
+          <p:nvPr/>
+        </p:nvCxnSpPr>
+        <p:spPr>
+          <a:xfrm flipH="1" flipV="1">
+            <a:off x="1029260" y="4592318"/>
+            <a:ext cx="3973751" cy="3114875"/>
+          </a:xfrm>
+          <a:prstGeom prst="straightConnector1">
+            <a:avLst/>
+          </a:prstGeom>
+          <a:ln>
+            <a:tailEnd type="triangle"/>
+          </a:ln>
+        </p:spPr>
+        <p:style>
+          <a:lnRef idx="1">
+            <a:schemeClr val="accent1"/>
+          </a:lnRef>
+          <a:fillRef idx="0">
+            <a:schemeClr val="accent1"/>
+          </a:fillRef>
+          <a:effectRef idx="0">
+            <a:schemeClr val="accent1"/>
+          </a:effectRef>
+          <a:fontRef idx="minor">
+            <a:schemeClr val="tx1"/>
+          </a:fontRef>
+        </p:style>
+      </p:cxnSp>
+      <p:sp>
+        <p:nvSpPr>
+          <p:cNvPr id="40" name="TextBox 39">
+            <a:extLst>
+              <a:ext uri="{FF2B5EF4-FFF2-40B4-BE49-F238E27FC236}">
+                <a16:creationId xmlns:a16="http://schemas.microsoft.com/office/drawing/2014/main" id="{06AE5ABD-0842-DD2B-83CF-3BB8C5920453}"/>
+              </a:ext>
+            </a:extLst>
+          </p:cNvPr>
+          <p:cNvSpPr txBox="1"/>
+          <p:nvPr/>
+        </p:nvSpPr>
+        <p:spPr>
+          <a:xfrm>
+            <a:off x="230168" y="5887468"/>
+            <a:ext cx="2945501" cy="1477328"/>
+          </a:xfrm>
+          <a:prstGeom prst="rect">
+            <a:avLst/>
+          </a:prstGeom>
+          <a:noFill/>
+        </p:spPr>
+        <p:txBody>
+          <a:bodyPr wrap="square" rtlCol="0">
+            <a:spAutoFit/>
+          </a:bodyPr>
+          <a:lstStyle/>
+          <a:p>
+            <a:r>
+              <a:rPr lang="en-US" dirty="0"/>
+              <a:t>Server </a:t>
+            </a:r>
+            <a:r>
+              <a:rPr lang="en-US" dirty="0" err="1"/>
+              <a:t>schickt</a:t>
+            </a:r>
+            <a:r>
+              <a:rPr lang="en-US" dirty="0"/>
+              <a:t> </a:t>
+            </a:r>
+            <a:r>
+              <a:rPr lang="en-US" dirty="0" err="1"/>
+              <a:t>GameState</a:t>
+            </a:r>
+            <a:r>
+              <a:rPr lang="en-US" dirty="0"/>
+              <a:t>: </a:t>
+            </a:r>
+          </a:p>
+          <a:p>
+            <a:r>
+              <a:rPr lang="en-US" dirty="0"/>
+              <a:t>- Position </a:t>
+            </a:r>
+            <a:r>
+              <a:rPr lang="en-US" dirty="0" err="1"/>
+              <a:t>aller</a:t>
+            </a:r>
+            <a:r>
+              <a:rPr lang="en-US" dirty="0"/>
+              <a:t> Spieler</a:t>
+            </a:r>
+          </a:p>
+          <a:p>
+            <a:r>
+              <a:rPr lang="en-US" dirty="0"/>
+              <a:t>- Score</a:t>
+            </a:r>
+          </a:p>
+          <a:p>
+            <a:r>
+              <a:rPr lang="en-US" dirty="0"/>
+              <a:t>- </a:t>
+            </a:r>
+            <a:r>
+              <a:rPr lang="en-US" dirty="0" err="1"/>
+              <a:t>Treffer</a:t>
+            </a:r>
+            <a:r>
+              <a:rPr lang="en-US" dirty="0"/>
+              <a:t> </a:t>
+            </a:r>
+          </a:p>
+          <a:p>
+            <a:r>
+              <a:rPr lang="en-US" dirty="0"/>
+              <a:t>- Level Details</a:t>
+            </a:r>
+            <a:endParaRPr lang="en-DE" dirty="0"/>
+          </a:p>
+        </p:txBody>
+      </p:sp>
+      <p:cxnSp>
+        <p:nvCxnSpPr>
+          <p:cNvPr id="41" name="Straight Arrow Connector 40">
+            <a:extLst>
+              <a:ext uri="{FF2B5EF4-FFF2-40B4-BE49-F238E27FC236}">
+                <a16:creationId xmlns:a16="http://schemas.microsoft.com/office/drawing/2014/main" id="{4463E709-9707-0919-B9A9-1C89A2746BBB}"/>
+              </a:ext>
+            </a:extLst>
+          </p:cNvPr>
+          <p:cNvCxnSpPr>
+            <a:cxnSpLocks/>
+          </p:cNvCxnSpPr>
+          <p:nvPr/>
+        </p:nvCxnSpPr>
+        <p:spPr>
+          <a:xfrm flipH="1" flipV="1">
+            <a:off x="4773848" y="4443086"/>
+            <a:ext cx="1376099" cy="2072351"/>
+          </a:xfrm>
+          <a:prstGeom prst="straightConnector1">
+            <a:avLst/>
+          </a:prstGeom>
+          <a:ln>
+            <a:tailEnd type="triangle"/>
+          </a:ln>
+        </p:spPr>
+        <p:style>
+          <a:lnRef idx="1">
+            <a:schemeClr val="accent1"/>
+          </a:lnRef>
+          <a:fillRef idx="0">
+            <a:schemeClr val="accent1"/>
+          </a:fillRef>
+          <a:effectRef idx="0">
+            <a:schemeClr val="accent1"/>
+          </a:effectRef>
+          <a:fontRef idx="minor">
+            <a:schemeClr val="tx1"/>
+          </a:fontRef>
+        </p:style>
+      </p:cxnSp>
+      <p:cxnSp>
+        <p:nvCxnSpPr>
+          <p:cNvPr id="43" name="Straight Arrow Connector 42">
+            <a:extLst>
+              <a:ext uri="{FF2B5EF4-FFF2-40B4-BE49-F238E27FC236}">
+                <a16:creationId xmlns:a16="http://schemas.microsoft.com/office/drawing/2014/main" id="{C6DFDF3A-730E-D9F5-E4B4-58BCAD3F9FE7}"/>
+              </a:ext>
+            </a:extLst>
+          </p:cNvPr>
+          <p:cNvCxnSpPr>
+            <a:cxnSpLocks/>
+          </p:cNvCxnSpPr>
+          <p:nvPr/>
+        </p:nvCxnSpPr>
+        <p:spPr>
+          <a:xfrm flipV="1">
+            <a:off x="7023156" y="4429884"/>
+            <a:ext cx="788552" cy="2085553"/>
+          </a:xfrm>
+          <a:prstGeom prst="straightConnector1">
+            <a:avLst/>
+          </a:prstGeom>
+          <a:ln>
+            <a:tailEnd type="triangle"/>
+          </a:ln>
+        </p:spPr>
+        <p:style>
+          <a:lnRef idx="1">
+            <a:schemeClr val="accent1"/>
+          </a:lnRef>
+          <a:fillRef idx="0">
+            <a:schemeClr val="accent1"/>
+          </a:fillRef>
+          <a:effectRef idx="0">
+            <a:schemeClr val="accent1"/>
+          </a:effectRef>
+          <a:fontRef idx="minor">
+            <a:schemeClr val="tx1"/>
+          </a:fontRef>
+        </p:style>
+      </p:cxnSp>
+      <p:cxnSp>
+        <p:nvCxnSpPr>
+          <p:cNvPr id="47" name="Straight Arrow Connector 46">
+            <a:extLst>
+              <a:ext uri="{FF2B5EF4-FFF2-40B4-BE49-F238E27FC236}">
+                <a16:creationId xmlns:a16="http://schemas.microsoft.com/office/drawing/2014/main" id="{0EB41C98-5685-9C63-4D7C-E6DED11858DD}"/>
+              </a:ext>
+            </a:extLst>
+          </p:cNvPr>
+          <p:cNvCxnSpPr>
+            <a:cxnSpLocks/>
+          </p:cNvCxnSpPr>
+          <p:nvPr/>
+        </p:nvCxnSpPr>
+        <p:spPr>
+          <a:xfrm flipV="1">
+            <a:off x="8356940" y="4287769"/>
+            <a:ext cx="2701626" cy="2887932"/>
+          </a:xfrm>
+          <a:prstGeom prst="straightConnector1">
+            <a:avLst/>
+          </a:prstGeom>
+          <a:ln>
+            <a:tailEnd type="triangle"/>
+          </a:ln>
+        </p:spPr>
+        <p:style>
+          <a:lnRef idx="1">
+            <a:schemeClr val="accent1"/>
+          </a:lnRef>
+          <a:fillRef idx="0">
+            <a:schemeClr val="accent1"/>
+          </a:fillRef>
+          <a:effectRef idx="0">
+            <a:schemeClr val="accent1"/>
+          </a:effectRef>
+          <a:fontRef idx="minor">
+            <a:schemeClr val="tx1"/>
+          </a:fontRef>
+        </p:style>
+      </p:cxnSp>
+      <p:sp>
+        <p:nvSpPr>
+          <p:cNvPr id="50" name="TextBox 49">
+            <a:extLst>
+              <a:ext uri="{FF2B5EF4-FFF2-40B4-BE49-F238E27FC236}">
+                <a16:creationId xmlns:a16="http://schemas.microsoft.com/office/drawing/2014/main" id="{EC1F82D0-E6BC-14A9-5EB2-3AFCD680AA70}"/>
+              </a:ext>
+            </a:extLst>
+          </p:cNvPr>
+          <p:cNvSpPr txBox="1"/>
+          <p:nvPr/>
+        </p:nvSpPr>
+        <p:spPr>
+          <a:xfrm>
+            <a:off x="6849851" y="536940"/>
+            <a:ext cx="5173902" cy="2585323"/>
+          </a:xfrm>
+          <a:prstGeom prst="rect">
+            <a:avLst/>
+          </a:prstGeom>
+          <a:noFill/>
+        </p:spPr>
+        <p:txBody>
+          <a:bodyPr wrap="square" rtlCol="0">
+            <a:spAutoFit/>
+          </a:bodyPr>
+          <a:lstStyle/>
+          <a:p>
+            <a:r>
+              <a:rPr lang="en-US" dirty="0"/>
+              <a:t>Client </a:t>
+            </a:r>
+            <a:r>
+              <a:rPr lang="en-US" dirty="0" err="1"/>
+              <a:t>kümmert</a:t>
+            </a:r>
+            <a:r>
+              <a:rPr lang="en-US" dirty="0"/>
+              <a:t> </a:t>
+            </a:r>
+            <a:r>
+              <a:rPr lang="en-US" dirty="0" err="1"/>
+              <a:t>sich</a:t>
+            </a:r>
+            <a:r>
+              <a:rPr lang="en-US" dirty="0"/>
+              <a:t> um </a:t>
+            </a:r>
+            <a:r>
+              <a:rPr lang="en-US" dirty="0" err="1"/>
+              <a:t>Darstellung</a:t>
+            </a:r>
+            <a:r>
+              <a:rPr lang="en-US" dirty="0"/>
+              <a:t>:</a:t>
+            </a:r>
+          </a:p>
+          <a:p>
+            <a:r>
+              <a:rPr lang="en-US" dirty="0"/>
+              <a:t>- HTML, CSS und JavaScript </a:t>
+            </a:r>
+          </a:p>
+          <a:p>
+            <a:r>
+              <a:rPr lang="en-US" dirty="0"/>
+              <a:t>- </a:t>
+            </a:r>
+            <a:r>
+              <a:rPr lang="en-US" dirty="0" err="1"/>
+              <a:t>Reagiert</a:t>
+            </a:r>
+            <a:r>
+              <a:rPr lang="en-US" dirty="0"/>
+              <a:t> auf </a:t>
+            </a:r>
+            <a:r>
+              <a:rPr lang="en-US" dirty="0" err="1"/>
+              <a:t>Tastatureingaben</a:t>
+            </a:r>
+            <a:r>
+              <a:rPr lang="en-US" dirty="0"/>
+              <a:t> </a:t>
+            </a:r>
+          </a:p>
+          <a:p>
+            <a:r>
+              <a:rPr lang="en-US" dirty="0"/>
+              <a:t>- </a:t>
+            </a:r>
+            <a:r>
+              <a:rPr lang="en-US" dirty="0" err="1"/>
+              <a:t>Reagiert</a:t>
+            </a:r>
+            <a:r>
+              <a:rPr lang="en-US" dirty="0"/>
+              <a:t> auf Server Events</a:t>
+            </a:r>
+          </a:p>
+          <a:p>
+            <a:r>
+              <a:rPr lang="en-US" dirty="0"/>
+              <a:t>- </a:t>
+            </a:r>
+            <a:r>
+              <a:rPr lang="en-US" dirty="0" err="1"/>
+              <a:t>Spielt</a:t>
+            </a:r>
+            <a:r>
+              <a:rPr lang="en-US" dirty="0"/>
+              <a:t> Sounds ab </a:t>
+            </a:r>
+          </a:p>
+          <a:p>
+            <a:r>
+              <a:rPr lang="en-US" dirty="0"/>
+              <a:t>- </a:t>
+            </a:r>
+            <a:r>
+              <a:rPr lang="en-US" dirty="0" err="1"/>
+              <a:t>Stellt</a:t>
+            </a:r>
+            <a:r>
+              <a:rPr lang="en-US" dirty="0"/>
+              <a:t> Score </a:t>
+            </a:r>
+            <a:r>
+              <a:rPr lang="en-US" dirty="0" err="1"/>
+              <a:t>dar</a:t>
+            </a:r>
+            <a:endParaRPr lang="en-US" dirty="0"/>
+          </a:p>
+          <a:p>
+            <a:r>
+              <a:rPr lang="en-US" dirty="0"/>
+              <a:t>- </a:t>
+            </a:r>
+            <a:r>
+              <a:rPr lang="en-US" dirty="0" err="1"/>
+              <a:t>Anmelde</a:t>
+            </a:r>
+            <a:r>
+              <a:rPr lang="en-US" dirty="0"/>
+              <a:t> </a:t>
+            </a:r>
+            <a:r>
+              <a:rPr lang="en-US" dirty="0" err="1"/>
+              <a:t>Bildschirm</a:t>
+            </a:r>
+            <a:r>
+              <a:rPr lang="en-US" dirty="0"/>
+              <a:t> </a:t>
+            </a:r>
+          </a:p>
+          <a:p>
+            <a:r>
+              <a:rPr lang="en-US" dirty="0"/>
+              <a:t>- </a:t>
+            </a:r>
+            <a:r>
+              <a:rPr lang="en-US" dirty="0" err="1"/>
+              <a:t>Animiert</a:t>
+            </a:r>
+            <a:r>
+              <a:rPr lang="en-US" dirty="0"/>
+              <a:t> Bullets </a:t>
+            </a:r>
+            <a:r>
+              <a:rPr lang="en-US" dirty="0" err="1"/>
+              <a:t>inklusive</a:t>
+            </a:r>
+            <a:r>
+              <a:rPr lang="en-US" dirty="0"/>
+              <a:t> </a:t>
+            </a:r>
+            <a:r>
+              <a:rPr lang="en-US" dirty="0" err="1"/>
+              <a:t>Kolisionserkennung</a:t>
+            </a:r>
+            <a:endParaRPr lang="en-US" dirty="0"/>
+          </a:p>
+          <a:p>
+            <a:r>
+              <a:rPr lang="en-US" dirty="0"/>
+              <a:t>- </a:t>
+            </a:r>
+            <a:r>
+              <a:rPr lang="en-US" dirty="0" err="1"/>
+              <a:t>Fehlerbehandlung</a:t>
+            </a:r>
+            <a:r>
+              <a:rPr lang="en-US" dirty="0"/>
+              <a:t> </a:t>
+            </a:r>
+            <a:endParaRPr lang="en-DE" dirty="0"/>
+          </a:p>
+        </p:txBody>
+      </p:sp>
+    </p:spTree>
+    <p:extLst>
+      <p:ext uri="{BB962C8B-B14F-4D97-AF65-F5344CB8AC3E}">
+        <p14:creationId xmlns:p14="http://schemas.microsoft.com/office/powerpoint/2010/main" val="2169651353"/>
+      </p:ext>
+    </p:extLst>
+  </p:cSld>
+  <p:clrMapOvr>
+    <a:masterClrMapping/>
+  </p:clrMapOvr>
+</p:sld>
+</file>
+
 <file path=ppt/theme/theme1.xml><?xml version="1.0" encoding="utf-8"?>
 <a:theme xmlns:a="http://schemas.openxmlformats.org/drawingml/2006/main" name="Office Theme">
   <a:themeElements>
